--- a/Folien Data set.pptx
+++ b/Folien Data set.pptx
@@ -7,8 +7,9 @@
   <p:sldIdLst>
     <p:sldId id="256" r:id="rId2"/>
     <p:sldId id="257" r:id="rId3"/>
-    <p:sldId id="258" r:id="rId4"/>
-    <p:sldId id="259" r:id="rId5"/>
+    <p:sldId id="260" r:id="rId4"/>
+    <p:sldId id="258" r:id="rId5"/>
+    <p:sldId id="259" r:id="rId6"/>
   </p:sldIdLst>
   <p:sldSz cx="12192000" cy="6858000"/>
   <p:notesSz cx="6858000" cy="9144000"/>
@@ -107,6 +108,11 @@
       </a:defRPr>
     </a:lvl9pPr>
   </p:defaultTextStyle>
+  <p:extLst>
+    <p:ext uri="{EFAFB233-063F-42B5-8137-9DF3F51BA10A}">
+      <p15:sldGuideLst xmlns:p15="http://schemas.microsoft.com/office/powerpoint/2012/main"/>
+    </p:ext>
+  </p:extLst>
 </p:presentation>
 </file>
 
@@ -259,7 +265,7 @@
           <a:p>
             <a:fld id="{BB172993-27AC-4246-882C-07EE55A08033}" type="datetimeFigureOut">
               <a:rPr lang="en-GB" smtClean="0"/>
-              <a:t>13/05/2022</a:t>
+              <a:t>14/05/2022</a:t>
             </a:fld>
             <a:endParaRPr lang="en-GB"/>
           </a:p>
@@ -459,7 +465,7 @@
           <a:p>
             <a:fld id="{BB172993-27AC-4246-882C-07EE55A08033}" type="datetimeFigureOut">
               <a:rPr lang="en-GB" smtClean="0"/>
-              <a:t>13/05/2022</a:t>
+              <a:t>14/05/2022</a:t>
             </a:fld>
             <a:endParaRPr lang="en-GB"/>
           </a:p>
@@ -669,7 +675,7 @@
           <a:p>
             <a:fld id="{BB172993-27AC-4246-882C-07EE55A08033}" type="datetimeFigureOut">
               <a:rPr lang="en-GB" smtClean="0"/>
-              <a:t>13/05/2022</a:t>
+              <a:t>14/05/2022</a:t>
             </a:fld>
             <a:endParaRPr lang="en-GB"/>
           </a:p>
@@ -869,7 +875,7 @@
           <a:p>
             <a:fld id="{BB172993-27AC-4246-882C-07EE55A08033}" type="datetimeFigureOut">
               <a:rPr lang="en-GB" smtClean="0"/>
-              <a:t>13/05/2022</a:t>
+              <a:t>14/05/2022</a:t>
             </a:fld>
             <a:endParaRPr lang="en-GB"/>
           </a:p>
@@ -1145,7 +1151,7 @@
           <a:p>
             <a:fld id="{BB172993-27AC-4246-882C-07EE55A08033}" type="datetimeFigureOut">
               <a:rPr lang="en-GB" smtClean="0"/>
-              <a:t>13/05/2022</a:t>
+              <a:t>14/05/2022</a:t>
             </a:fld>
             <a:endParaRPr lang="en-GB"/>
           </a:p>
@@ -1413,7 +1419,7 @@
           <a:p>
             <a:fld id="{BB172993-27AC-4246-882C-07EE55A08033}" type="datetimeFigureOut">
               <a:rPr lang="en-GB" smtClean="0"/>
-              <a:t>13/05/2022</a:t>
+              <a:t>14/05/2022</a:t>
             </a:fld>
             <a:endParaRPr lang="en-GB"/>
           </a:p>
@@ -1828,7 +1834,7 @@
           <a:p>
             <a:fld id="{BB172993-27AC-4246-882C-07EE55A08033}" type="datetimeFigureOut">
               <a:rPr lang="en-GB" smtClean="0"/>
-              <a:t>13/05/2022</a:t>
+              <a:t>14/05/2022</a:t>
             </a:fld>
             <a:endParaRPr lang="en-GB"/>
           </a:p>
@@ -1970,7 +1976,7 @@
           <a:p>
             <a:fld id="{BB172993-27AC-4246-882C-07EE55A08033}" type="datetimeFigureOut">
               <a:rPr lang="en-GB" smtClean="0"/>
-              <a:t>13/05/2022</a:t>
+              <a:t>14/05/2022</a:t>
             </a:fld>
             <a:endParaRPr lang="en-GB"/>
           </a:p>
@@ -2083,7 +2089,7 @@
           <a:p>
             <a:fld id="{BB172993-27AC-4246-882C-07EE55A08033}" type="datetimeFigureOut">
               <a:rPr lang="en-GB" smtClean="0"/>
-              <a:t>13/05/2022</a:t>
+              <a:t>14/05/2022</a:t>
             </a:fld>
             <a:endParaRPr lang="en-GB"/>
           </a:p>
@@ -2396,7 +2402,7 @@
           <a:p>
             <a:fld id="{BB172993-27AC-4246-882C-07EE55A08033}" type="datetimeFigureOut">
               <a:rPr lang="en-GB" smtClean="0"/>
-              <a:t>13/05/2022</a:t>
+              <a:t>14/05/2022</a:t>
             </a:fld>
             <a:endParaRPr lang="en-GB"/>
           </a:p>
@@ -2685,7 +2691,7 @@
           <a:p>
             <a:fld id="{BB172993-27AC-4246-882C-07EE55A08033}" type="datetimeFigureOut">
               <a:rPr lang="en-GB" smtClean="0"/>
-              <a:t>13/05/2022</a:t>
+              <a:t>14/05/2022</a:t>
             </a:fld>
             <a:endParaRPr lang="en-GB"/>
           </a:p>
@@ -2928,7 +2934,7 @@
           <a:p>
             <a:fld id="{BB172993-27AC-4246-882C-07EE55A08033}" type="datetimeFigureOut">
               <a:rPr lang="en-GB" smtClean="0"/>
-              <a:t>13/05/2022</a:t>
+              <a:t>14/05/2022</a:t>
             </a:fld>
             <a:endParaRPr lang="en-GB"/>
           </a:p>
@@ -3744,14 +3750,19 @@
             <p:ph idx="1"/>
           </p:nvPr>
         </p:nvSpPr>
-        <p:spPr/>
+        <p:spPr>
+          <a:xfrm>
+            <a:off x="838200" y="1628776"/>
+            <a:ext cx="10515600" cy="4351338"/>
+          </a:xfrm>
+        </p:spPr>
         <p:txBody>
           <a:bodyPr/>
           <a:lstStyle/>
           <a:p>
             <a:r>
               <a:rPr lang="en-GB" dirty="0"/>
-              <a:t>Every 6</a:t>
+              <a:t>every 6</a:t>
             </a:r>
             <a:r>
               <a:rPr lang="en-GB" baseline="30000" dirty="0"/>
@@ -3769,23 +3780,24 @@
             </a:r>
           </a:p>
           <a:p>
+            <a:endParaRPr lang="en-GB" dirty="0"/>
+          </a:p>
+          <a:p>
+            <a:pPr marL="0" indent="0">
+              <a:buNone/>
+            </a:pPr>
+            <a:endParaRPr lang="en-GB" dirty="0"/>
+          </a:p>
+          <a:p>
+            <a:endParaRPr lang="en-GB" dirty="0"/>
+          </a:p>
+          <a:p>
+            <a:endParaRPr lang="en-GB" dirty="0"/>
+          </a:p>
+          <a:p>
             <a:r>
               <a:rPr lang="en-GB" dirty="0"/>
               <a:t>many zeros</a:t>
-            </a:r>
-          </a:p>
-          <a:p>
-            <a:pPr lvl="1"/>
-            <a:r>
-              <a:rPr lang="en-GB" dirty="0"/>
-              <a:t>How many rows without 0</a:t>
-            </a:r>
-          </a:p>
-          <a:p>
-            <a:pPr lvl="1"/>
-            <a:r>
-              <a:rPr lang="en-GB" dirty="0"/>
-              <a:t>How many with only 0</a:t>
             </a:r>
           </a:p>
           <a:p>
@@ -3810,16 +3822,15 @@
           </p:cNvPicPr>
           <p:nvPr/>
         </p:nvPicPr>
-        <p:blipFill>
+        <p:blipFill rotWithShape="1">
           <a:blip r:embed="rId2"/>
-          <a:stretch>
-            <a:fillRect/>
-          </a:stretch>
+          <a:srcRect t="85435" r="28909" b="2089"/>
+          <a:stretch/>
         </p:blipFill>
         <p:spPr>
           <a:xfrm>
-            <a:off x="5275816" y="2248186"/>
-            <a:ext cx="6805250" cy="4160881"/>
+            <a:off x="1161853" y="2659064"/>
+            <a:ext cx="5503605" cy="590550"/>
           </a:xfrm>
           <a:prstGeom prst="rect">
             <a:avLst/>
@@ -3848,8 +3859,8 @@
         </p:blipFill>
         <p:spPr>
           <a:xfrm>
-            <a:off x="1047553" y="4859628"/>
-            <a:ext cx="4534293" cy="624894"/>
+            <a:off x="3219253" y="4808540"/>
+            <a:ext cx="6724847" cy="926785"/>
           </a:xfrm>
           <a:prstGeom prst="rect">
             <a:avLst/>
@@ -3878,8 +3889,8 @@
         </p:blipFill>
         <p:spPr>
           <a:xfrm>
-            <a:off x="5581846" y="597338"/>
-            <a:ext cx="6515665" cy="861135"/>
+            <a:off x="1266443" y="3249614"/>
+            <a:ext cx="8492198" cy="1122361"/>
           </a:xfrm>
           <a:prstGeom prst="rect">
             <a:avLst/>
@@ -3902,14 +3913,6 @@
 <file path=ppt/slides/slide3.xml><?xml version="1.0" encoding="utf-8"?>
 <p:sld xmlns:a="http://schemas.openxmlformats.org/drawingml/2006/main" xmlns:r="http://schemas.openxmlformats.org/officeDocument/2006/relationships" xmlns:p="http://schemas.openxmlformats.org/presentationml/2006/main">
   <p:cSld>
-    <p:bg>
-      <p:bgPr>
-        <a:solidFill>
-          <a:schemeClr val="bg1"/>
-        </a:solidFill>
-        <a:effectLst/>
-      </p:bgPr>
-    </p:bg>
     <p:spTree>
       <p:nvGrpSpPr>
         <p:cNvPr id="1" name=""/>
@@ -3929,7 +3932,7 @@
           <p:cNvPr id="2" name="Titel 1">
             <a:extLst>
               <a:ext uri="{FF2B5EF4-FFF2-40B4-BE49-F238E27FC236}">
-                <a16:creationId xmlns:a16="http://schemas.microsoft.com/office/drawing/2014/main" id="{F57DF5BD-7934-9EBD-4635-17D850AB1172}"/>
+                <a16:creationId xmlns:a16="http://schemas.microsoft.com/office/drawing/2014/main" id="{F73E5098-8378-EEE3-D63E-16DB4EF75E38}"/>
               </a:ext>
             </a:extLst>
           </p:cNvPr>
@@ -3938,41 +3941,67 @@
           </p:cNvSpPr>
           <p:nvPr>
             <p:ph type="title"/>
+          </p:nvPr>
+        </p:nvSpPr>
+        <p:spPr/>
+        <p:txBody>
+          <a:bodyPr/>
+          <a:lstStyle/>
+          <a:p>
+            <a:r>
+              <a:rPr lang="en-GB" dirty="0"/>
+              <a:t>Statistical properties</a:t>
+            </a:r>
+          </a:p>
+        </p:txBody>
+      </p:sp>
+      <p:sp>
+        <p:nvSpPr>
+          <p:cNvPr id="3" name="Inhaltsplatzhalter 2">
+            <a:extLst>
+              <a:ext uri="{FF2B5EF4-FFF2-40B4-BE49-F238E27FC236}">
+                <a16:creationId xmlns:a16="http://schemas.microsoft.com/office/drawing/2014/main" id="{50588831-B2F8-C53A-8D3A-DD30A38AFD04}"/>
+              </a:ext>
+            </a:extLst>
+          </p:cNvPr>
+          <p:cNvSpPr>
+            <a:spLocks noGrp="1"/>
+          </p:cNvSpPr>
+          <p:nvPr>
+            <p:ph idx="1"/>
           </p:nvPr>
         </p:nvSpPr>
         <p:spPr>
           <a:xfrm>
-            <a:off x="838199" y="291090"/>
-            <a:ext cx="10515599" cy="932688"/>
+            <a:off x="838200" y="1825625"/>
+            <a:ext cx="4568687" cy="4351338"/>
           </a:xfrm>
         </p:spPr>
         <p:txBody>
-          <a:bodyPr vert="horz" lIns="91440" tIns="45720" rIns="91440" bIns="45720" rtlCol="0" anchor="b">
-            <a:normAutofit/>
-          </a:bodyPr>
-          <a:lstStyle/>
-          <a:p>
-            <a:pPr algn="ctr"/>
-            <a:r>
-              <a:rPr lang="en-US" sz="5000" kern="1200">
-                <a:solidFill>
-                  <a:schemeClr val="tx1"/>
-                </a:solidFill>
-                <a:latin typeface="+mj-lt"/>
-                <a:ea typeface="+mj-ea"/>
-                <a:cs typeface="+mj-cs"/>
-              </a:rPr>
-              <a:t>Normalization, Gaussian approximation </a:t>
+          <a:bodyPr/>
+          <a:lstStyle/>
+          <a:p>
+            <a:r>
+              <a:rPr lang="en-GB" dirty="0"/>
+              <a:t>Drop protein if more than 10 zeros at least two replicates in control and/or </a:t>
+            </a:r>
+            <a:r>
+              <a:rPr lang="en-GB" dirty="0" err="1"/>
+              <a:t>Rnase</a:t>
+            </a:r>
+            <a:r>
+              <a:rPr lang="en-GB" dirty="0"/>
+              <a:t> sample</a:t>
             </a:r>
           </a:p>
         </p:txBody>
       </p:sp>
       <p:pic>
         <p:nvPicPr>
-          <p:cNvPr id="6" name="Grafik 5">
-            <a:extLst>
-              <a:ext uri="{FF2B5EF4-FFF2-40B4-BE49-F238E27FC236}">
-                <a16:creationId xmlns:a16="http://schemas.microsoft.com/office/drawing/2014/main" id="{40DFDFD0-65F3-B613-A655-70745AC19031}"/>
+          <p:cNvPr id="7" name="Grafik 6">
+            <a:extLst>
+              <a:ext uri="{FF2B5EF4-FFF2-40B4-BE49-F238E27FC236}">
+                <a16:creationId xmlns:a16="http://schemas.microsoft.com/office/drawing/2014/main" id="{CDFA0DCC-4DF0-7D1B-8935-271D8254A59D}"/>
               </a:ext>
             </a:extLst>
           </p:cNvPr>
@@ -3989,8 +4018,8 @@
         </p:blipFill>
         <p:spPr>
           <a:xfrm>
-            <a:off x="2425962" y="1863801"/>
-            <a:ext cx="7340074" cy="4440746"/>
+            <a:off x="5602737" y="1825625"/>
+            <a:ext cx="6492803" cy="3970364"/>
           </a:xfrm>
           <a:prstGeom prst="rect">
             <a:avLst/>
@@ -4000,7 +4029,7 @@
     </p:spTree>
     <p:extLst>
       <p:ext uri="{BB962C8B-B14F-4D97-AF65-F5344CB8AC3E}">
-        <p14:creationId xmlns:p14="http://schemas.microsoft.com/office/powerpoint/2010/main" val="3288192097"/>
+        <p14:creationId xmlns:p14="http://schemas.microsoft.com/office/powerpoint/2010/main" val="1421411076"/>
       </p:ext>
     </p:extLst>
   </p:cSld>
@@ -4037,10 +4066,357 @@
       </p:grpSpPr>
       <p:sp useBgFill="1">
         <p:nvSpPr>
-          <p:cNvPr id="18" name="Rectangle 15">
-            <a:extLst>
-              <a:ext uri="{FF2B5EF4-FFF2-40B4-BE49-F238E27FC236}">
-                <a16:creationId xmlns:a16="http://schemas.microsoft.com/office/drawing/2014/main" id="{022BDE4A-8A20-4A69-9C5A-581C82036A4D}"/>
+          <p:cNvPr id="6" name="Rectangle 8">
+            <a:extLst>
+              <a:ext uri="{FF2B5EF4-FFF2-40B4-BE49-F238E27FC236}">
+                <a16:creationId xmlns:a16="http://schemas.microsoft.com/office/drawing/2014/main" id="{53F29798-D584-4792-9B62-3F5F5C36D619}"/>
+              </a:ext>
+              <a:ext uri="{C183D7F6-B498-43B3-948B-1728B52AA6E4}">
+                <adec:decorative xmlns:adec="http://schemas.microsoft.com/office/drawing/2017/decorative" val="1"/>
+              </a:ext>
+            </a:extLst>
+          </p:cNvPr>
+          <p:cNvSpPr>
+            <a:spLocks noGrp="1" noRot="1" noChangeAspect="1" noMove="1" noResize="1" noEditPoints="1" noAdjustHandles="1" noChangeArrowheads="1" noChangeShapeType="1" noTextEdit="1"/>
+          </p:cNvSpPr>
+          <p:nvPr>
+            <p:extLst>
+              <p:ext uri="{386F3935-93C4-4BCD-93E2-E3B085C9AB24}">
+                <p16:designElem xmlns:p16="http://schemas.microsoft.com/office/powerpoint/2015/main" val="1"/>
+              </p:ext>
+            </p:extLst>
+          </p:nvPr>
+        </p:nvSpPr>
+        <p:spPr>
+          <a:xfrm>
+            <a:off x="0" y="0"/>
+            <a:ext cx="12188952" cy="6858000"/>
+          </a:xfrm>
+          <a:prstGeom prst="rect">
+            <a:avLst/>
+          </a:prstGeom>
+          <a:ln>
+            <a:noFill/>
+          </a:ln>
+        </p:spPr>
+        <p:style>
+          <a:lnRef idx="2">
+            <a:schemeClr val="accent1">
+              <a:shade val="50000"/>
+            </a:schemeClr>
+          </a:lnRef>
+          <a:fillRef idx="1">
+            <a:schemeClr val="accent1"/>
+          </a:fillRef>
+          <a:effectRef idx="0">
+            <a:schemeClr val="accent1"/>
+          </a:effectRef>
+          <a:fontRef idx="minor">
+            <a:schemeClr val="lt1"/>
+          </a:fontRef>
+        </p:style>
+        <p:txBody>
+          <a:bodyPr rtlCol="0" anchor="ctr"/>
+          <a:lstStyle/>
+          <a:p>
+            <a:pPr algn="ctr"/>
+            <a:endParaRPr lang="en-US"/>
+          </a:p>
+        </p:txBody>
+      </p:sp>
+      <p:sp>
+        <p:nvSpPr>
+          <p:cNvPr id="2" name="Titel 1">
+            <a:extLst>
+              <a:ext uri="{FF2B5EF4-FFF2-40B4-BE49-F238E27FC236}">
+                <a16:creationId xmlns:a16="http://schemas.microsoft.com/office/drawing/2014/main" id="{F57DF5BD-7934-9EBD-4635-17D850AB1172}"/>
+              </a:ext>
+            </a:extLst>
+          </p:cNvPr>
+          <p:cNvSpPr>
+            <a:spLocks noGrp="1"/>
+          </p:cNvSpPr>
+          <p:nvPr>
+            <p:ph type="title"/>
+          </p:nvPr>
+        </p:nvSpPr>
+        <p:spPr>
+          <a:xfrm>
+            <a:off x="838200" y="184805"/>
+            <a:ext cx="10515600" cy="1505883"/>
+          </a:xfrm>
+        </p:spPr>
+        <p:txBody>
+          <a:bodyPr vert="horz" lIns="91440" tIns="45720" rIns="91440" bIns="45720" rtlCol="0" anchor="ctr">
+            <a:normAutofit/>
+          </a:bodyPr>
+          <a:lstStyle/>
+          <a:p>
+            <a:r>
+              <a:rPr lang="en-US" sz="4800" kern="1200">
+                <a:latin typeface="+mj-lt"/>
+                <a:ea typeface="+mj-ea"/>
+                <a:cs typeface="+mj-cs"/>
+              </a:rPr>
+              <a:t>Normalization, Gaussian approximation </a:t>
+            </a:r>
+          </a:p>
+        </p:txBody>
+      </p:sp>
+      <p:pic>
+        <p:nvPicPr>
+          <p:cNvPr id="11" name="Grafik 10">
+            <a:extLst>
+              <a:ext uri="{FF2B5EF4-FFF2-40B4-BE49-F238E27FC236}">
+                <a16:creationId xmlns:a16="http://schemas.microsoft.com/office/drawing/2014/main" id="{C7AC87D3-1CCB-58D5-159C-0F3DF8EDEDCD}"/>
+              </a:ext>
+            </a:extLst>
+          </p:cNvPr>
+          <p:cNvPicPr>
+            <a:picLocks noChangeAspect="1"/>
+          </p:cNvPicPr>
+          <p:nvPr/>
+        </p:nvPicPr>
+        <p:blipFill>
+          <a:blip r:embed="rId2"/>
+          <a:stretch>
+            <a:fillRect/>
+          </a:stretch>
+        </p:blipFill>
+        <p:spPr>
+          <a:xfrm>
+            <a:off x="2354723" y="1845426"/>
+            <a:ext cx="7479501" cy="4450303"/>
+          </a:xfrm>
+          <a:prstGeom prst="rect">
+            <a:avLst/>
+          </a:prstGeom>
+        </p:spPr>
+      </p:pic>
+      <p:pic>
+        <p:nvPicPr>
+          <p:cNvPr id="13" name="Grafik 12">
+            <a:extLst>
+              <a:ext uri="{FF2B5EF4-FFF2-40B4-BE49-F238E27FC236}">
+                <a16:creationId xmlns:a16="http://schemas.microsoft.com/office/drawing/2014/main" id="{92FB85D1-E6C5-0DB1-CB8C-B8C3B57DB0AB}"/>
+              </a:ext>
+            </a:extLst>
+          </p:cNvPr>
+          <p:cNvPicPr>
+            <a:picLocks noChangeAspect="1"/>
+          </p:cNvPicPr>
+          <p:nvPr/>
+        </p:nvPicPr>
+        <p:blipFill>
+          <a:blip r:embed="rId3"/>
+          <a:stretch>
+            <a:fillRect/>
+          </a:stretch>
+        </p:blipFill>
+        <p:spPr>
+          <a:xfrm>
+            <a:off x="2354723" y="1922795"/>
+            <a:ext cx="7417173" cy="4450303"/>
+          </a:xfrm>
+          <a:prstGeom prst="rect">
+            <a:avLst/>
+          </a:prstGeom>
+        </p:spPr>
+      </p:pic>
+      <p:pic>
+        <p:nvPicPr>
+          <p:cNvPr id="4" name="Grafik 3">
+            <a:extLst>
+              <a:ext uri="{FF2B5EF4-FFF2-40B4-BE49-F238E27FC236}">
+                <a16:creationId xmlns:a16="http://schemas.microsoft.com/office/drawing/2014/main" id="{6DAF1E29-A0DD-46B4-95E2-E1F8ADEAAC60}"/>
+              </a:ext>
+            </a:extLst>
+          </p:cNvPr>
+          <p:cNvPicPr>
+            <a:picLocks noChangeAspect="1"/>
+          </p:cNvPicPr>
+          <p:nvPr/>
+        </p:nvPicPr>
+        <p:blipFill>
+          <a:blip r:embed="rId4"/>
+          <a:stretch>
+            <a:fillRect/>
+          </a:stretch>
+        </p:blipFill>
+        <p:spPr>
+          <a:xfrm>
+            <a:off x="2354723" y="1807724"/>
+            <a:ext cx="7325603" cy="4450303"/>
+          </a:xfrm>
+          <a:prstGeom prst="rect">
+            <a:avLst/>
+          </a:prstGeom>
+        </p:spPr>
+      </p:pic>
+    </p:spTree>
+    <p:extLst>
+      <p:ext uri="{BB962C8B-B14F-4D97-AF65-F5344CB8AC3E}">
+        <p14:creationId xmlns:p14="http://schemas.microsoft.com/office/powerpoint/2010/main" val="3288192097"/>
+      </p:ext>
+    </p:extLst>
+  </p:cSld>
+  <p:clrMapOvr>
+    <a:masterClrMapping/>
+  </p:clrMapOvr>
+  <p:timing>
+    <p:tnLst>
+      <p:par>
+        <p:cTn id="1" dur="indefinite" restart="never" nodeType="tmRoot">
+          <p:childTnLst>
+            <p:seq concurrent="1" nextAc="seek">
+              <p:cTn id="2" dur="indefinite" nodeType="mainSeq">
+                <p:childTnLst>
+                  <p:par>
+                    <p:cTn id="3" fill="hold">
+                      <p:stCondLst>
+                        <p:cond delay="indefinite"/>
+                      </p:stCondLst>
+                      <p:childTnLst>
+                        <p:par>
+                          <p:cTn id="4" fill="hold">
+                            <p:stCondLst>
+                              <p:cond delay="0"/>
+                            </p:stCondLst>
+                            <p:childTnLst>
+                              <p:par>
+                                <p:cTn id="5" presetID="1" presetClass="exit" presetSubtype="0" fill="hold" nodeType="clickEffect">
+                                  <p:stCondLst>
+                                    <p:cond delay="0"/>
+                                  </p:stCondLst>
+                                  <p:childTnLst>
+                                    <p:set>
+                                      <p:cBhvr>
+                                        <p:cTn id="6" dur="1" fill="hold">
+                                          <p:stCondLst>
+                                            <p:cond delay="0"/>
+                                          </p:stCondLst>
+                                        </p:cTn>
+                                        <p:tgtEl>
+                                          <p:spTgt spid="4"/>
+                                        </p:tgtEl>
+                                        <p:attrNameLst>
+                                          <p:attrName>style.visibility</p:attrName>
+                                        </p:attrNameLst>
+                                      </p:cBhvr>
+                                      <p:to>
+                                        <p:strVal val="hidden"/>
+                                      </p:to>
+                                    </p:set>
+                                  </p:childTnLst>
+                                </p:cTn>
+                              </p:par>
+                            </p:childTnLst>
+                          </p:cTn>
+                        </p:par>
+                      </p:childTnLst>
+                    </p:cTn>
+                  </p:par>
+                  <p:par>
+                    <p:cTn id="7" fill="hold">
+                      <p:stCondLst>
+                        <p:cond delay="indefinite"/>
+                      </p:stCondLst>
+                      <p:childTnLst>
+                        <p:par>
+                          <p:cTn id="8" fill="hold">
+                            <p:stCondLst>
+                              <p:cond delay="0"/>
+                            </p:stCondLst>
+                            <p:childTnLst>
+                              <p:par>
+                                <p:cTn id="9" presetID="1" presetClass="exit" presetSubtype="0" fill="hold" nodeType="clickEffect">
+                                  <p:stCondLst>
+                                    <p:cond delay="0"/>
+                                  </p:stCondLst>
+                                  <p:childTnLst>
+                                    <p:set>
+                                      <p:cBhvr>
+                                        <p:cTn id="10" dur="1" fill="hold">
+                                          <p:stCondLst>
+                                            <p:cond delay="0"/>
+                                          </p:stCondLst>
+                                        </p:cTn>
+                                        <p:tgtEl>
+                                          <p:spTgt spid="13"/>
+                                        </p:tgtEl>
+                                        <p:attrNameLst>
+                                          <p:attrName>style.visibility</p:attrName>
+                                        </p:attrNameLst>
+                                      </p:cBhvr>
+                                      <p:to>
+                                        <p:strVal val="hidden"/>
+                                      </p:to>
+                                    </p:set>
+                                  </p:childTnLst>
+                                </p:cTn>
+                              </p:par>
+                            </p:childTnLst>
+                          </p:cTn>
+                        </p:par>
+                      </p:childTnLst>
+                    </p:cTn>
+                  </p:par>
+                </p:childTnLst>
+              </p:cTn>
+              <p:prevCondLst>
+                <p:cond evt="onPrev" delay="0">
+                  <p:tgtEl>
+                    <p:sldTgt/>
+                  </p:tgtEl>
+                </p:cond>
+              </p:prevCondLst>
+              <p:nextCondLst>
+                <p:cond evt="onNext" delay="0">
+                  <p:tgtEl>
+                    <p:sldTgt/>
+                  </p:tgtEl>
+                </p:cond>
+              </p:nextCondLst>
+            </p:seq>
+          </p:childTnLst>
+        </p:cTn>
+      </p:par>
+    </p:tnLst>
+  </p:timing>
+</p:sld>
+</file>
+
+<file path=ppt/slides/slide5.xml><?xml version="1.0" encoding="utf-8"?>
+<p:sld xmlns:a="http://schemas.openxmlformats.org/drawingml/2006/main" xmlns:r="http://schemas.openxmlformats.org/officeDocument/2006/relationships" xmlns:p="http://schemas.openxmlformats.org/presentationml/2006/main">
+  <p:cSld>
+    <p:bg>
+      <p:bgPr>
+        <a:solidFill>
+          <a:schemeClr val="bg1"/>
+        </a:solidFill>
+        <a:effectLst/>
+      </p:bgPr>
+    </p:bg>
+    <p:spTree>
+      <p:nvGrpSpPr>
+        <p:cNvPr id="1" name=""/>
+        <p:cNvGrpSpPr/>
+        <p:nvPr/>
+      </p:nvGrpSpPr>
+      <p:grpSpPr>
+        <a:xfrm>
+          <a:off x="0" y="0"/>
+          <a:ext cx="0" cy="0"/>
+          <a:chOff x="0" y="0"/>
+          <a:chExt cx="0" cy="0"/>
+        </a:xfrm>
+      </p:grpSpPr>
+      <p:sp useBgFill="1">
+        <p:nvSpPr>
+          <p:cNvPr id="33" name="Rectangle 32">
+            <a:extLst>
+              <a:ext uri="{FF2B5EF4-FFF2-40B4-BE49-F238E27FC236}">
+                <a16:creationId xmlns:a16="http://schemas.microsoft.com/office/drawing/2014/main" id="{99ED5833-B85B-4103-8A3B-CAB0308E6C15}"/>
               </a:ext>
               <a:ext uri="{C183D7F6-B498-43B3-948B-1728B52AA6E4}">
                 <adec:decorative xmlns:adec="http://schemas.microsoft.com/office/drawing/2017/decorative" val="1"/>
@@ -4113,16 +4489,17 @@
         </p:nvSpPr>
         <p:spPr>
           <a:xfrm>
-            <a:off x="838200" y="365125"/>
-            <a:ext cx="10515600" cy="1853664"/>
+            <a:off x="1198181" y="560881"/>
+            <a:ext cx="9795638" cy="1114380"/>
           </a:xfrm>
         </p:spPr>
         <p:txBody>
-          <a:bodyPr vert="horz" lIns="91440" tIns="45720" rIns="91440" bIns="45720" rtlCol="0">
+          <a:bodyPr vert="horz" lIns="91440" tIns="45720" rIns="91440" bIns="45720" rtlCol="0" anchor="b">
             <a:normAutofit/>
           </a:bodyPr>
           <a:lstStyle/>
           <a:p>
+            <a:pPr algn="ctr"/>
             <a:r>
               <a:rPr lang="en-US" sz="5200"/>
               <a:t>Shift between the fractions</a:t>
@@ -4132,10 +4509,10 @@
       </p:sp>
       <p:pic>
         <p:nvPicPr>
-          <p:cNvPr id="6" name="Grafik 5">
-            <a:extLst>
-              <a:ext uri="{FF2B5EF4-FFF2-40B4-BE49-F238E27FC236}">
-                <a16:creationId xmlns:a16="http://schemas.microsoft.com/office/drawing/2014/main" id="{DA521538-AD94-61F7-E7D0-143B47CA4A83}"/>
+          <p:cNvPr id="10" name="Grafik 9">
+            <a:extLst>
+              <a:ext uri="{FF2B5EF4-FFF2-40B4-BE49-F238E27FC236}">
+                <a16:creationId xmlns:a16="http://schemas.microsoft.com/office/drawing/2014/main" id="{8E7D2EAD-0262-14F9-456C-F18D51089717}"/>
               </a:ext>
             </a:extLst>
           </p:cNvPr>
@@ -4144,15 +4521,16 @@
           </p:cNvPicPr>
           <p:nvPr/>
         </p:nvPicPr>
-        <p:blipFill rotWithShape="1">
+        <p:blipFill>
           <a:blip r:embed="rId2"/>
-          <a:srcRect l="9746" r="752" b="1"/>
-          <a:stretch/>
+          <a:stretch>
+            <a:fillRect/>
+          </a:stretch>
         </p:blipFill>
         <p:spPr>
           <a:xfrm>
-            <a:off x="198741" y="2410448"/>
-            <a:ext cx="5803323" cy="3890357"/>
+            <a:off x="288984" y="2593442"/>
+            <a:ext cx="5463470" cy="3346376"/>
           </a:xfrm>
           <a:prstGeom prst="rect">
             <a:avLst/>
@@ -4161,10 +4539,10 @@
       </p:pic>
       <p:pic>
         <p:nvPicPr>
-          <p:cNvPr id="4" name="Grafik 3">
-            <a:extLst>
-              <a:ext uri="{FF2B5EF4-FFF2-40B4-BE49-F238E27FC236}">
-                <a16:creationId xmlns:a16="http://schemas.microsoft.com/office/drawing/2014/main" id="{4BFE98C4-B456-F0CA-A874-68A4A78F5CF4}"/>
+          <p:cNvPr id="12" name="Grafik 11">
+            <a:extLst>
+              <a:ext uri="{FF2B5EF4-FFF2-40B4-BE49-F238E27FC236}">
+                <a16:creationId xmlns:a16="http://schemas.microsoft.com/office/drawing/2014/main" id="{3331A999-5550-611E-C4BF-2D4BD0B800B3}"/>
               </a:ext>
             </a:extLst>
           </p:cNvPr>
@@ -4173,21 +4551,113 @@
           </p:cNvPicPr>
           <p:nvPr/>
         </p:nvPicPr>
-        <p:blipFill rotWithShape="1">
+        <p:blipFill>
           <a:blip r:embed="rId3"/>
-          <a:srcRect l="9379" r="1118" b="1"/>
-          <a:stretch/>
+          <a:stretch>
+            <a:fillRect/>
+          </a:stretch>
         </p:blipFill>
         <p:spPr>
           <a:xfrm>
-            <a:off x="6189934" y="2410448"/>
-            <a:ext cx="5803323" cy="3890357"/>
+            <a:off x="6244915" y="2593442"/>
+            <a:ext cx="5554151" cy="3346376"/>
           </a:xfrm>
           <a:prstGeom prst="rect">
             <a:avLst/>
           </a:prstGeom>
         </p:spPr>
       </p:pic>
+      <p:sp>
+        <p:nvSpPr>
+          <p:cNvPr id="13" name="Textfeld 12">
+            <a:extLst>
+              <a:ext uri="{FF2B5EF4-FFF2-40B4-BE49-F238E27FC236}">
+                <a16:creationId xmlns:a16="http://schemas.microsoft.com/office/drawing/2014/main" id="{7F0EA25B-93C0-D2D8-ACEC-095DC692CFAA}"/>
+              </a:ext>
+            </a:extLst>
+          </p:cNvPr>
+          <p:cNvSpPr txBox="1"/>
+          <p:nvPr/>
+        </p:nvSpPr>
+        <p:spPr>
+          <a:xfrm>
+            <a:off x="5199261" y="1811186"/>
+            <a:ext cx="1790427" cy="646331"/>
+          </a:xfrm>
+          <a:prstGeom prst="rect">
+            <a:avLst/>
+          </a:prstGeom>
+          <a:noFill/>
+        </p:spPr>
+        <p:txBody>
+          <a:bodyPr wrap="none" rtlCol="0">
+            <a:spAutoFit/>
+          </a:bodyPr>
+          <a:lstStyle/>
+          <a:p>
+            <a:r>
+              <a:rPr lang="en-GB" dirty="0"/>
+              <a:t>Control = black</a:t>
+            </a:r>
+          </a:p>
+          <a:p>
+            <a:r>
+              <a:rPr lang="en-GB" dirty="0" err="1"/>
+              <a:t>Rnase</a:t>
+            </a:r>
+            <a:r>
+              <a:rPr lang="en-GB" dirty="0"/>
+              <a:t> = magenta</a:t>
+            </a:r>
+          </a:p>
+        </p:txBody>
+      </p:sp>
+      <p:sp>
+        <p:nvSpPr>
+          <p:cNvPr id="14" name="Pfeil: nach rechts 13">
+            <a:extLst>
+              <a:ext uri="{FF2B5EF4-FFF2-40B4-BE49-F238E27FC236}">
+                <a16:creationId xmlns:a16="http://schemas.microsoft.com/office/drawing/2014/main" id="{AD8CF4E7-77E6-C718-53B1-C8143ABF8F26}"/>
+              </a:ext>
+            </a:extLst>
+          </p:cNvPr>
+          <p:cNvSpPr/>
+          <p:nvPr/>
+        </p:nvSpPr>
+        <p:spPr>
+          <a:xfrm>
+            <a:off x="8864082" y="3144416"/>
+            <a:ext cx="1352938" cy="284584"/>
+          </a:xfrm>
+          <a:prstGeom prst="rightArrow">
+            <a:avLst/>
+          </a:prstGeom>
+        </p:spPr>
+        <p:style>
+          <a:lnRef idx="2">
+            <a:schemeClr val="accent5">
+              <a:shade val="50000"/>
+            </a:schemeClr>
+          </a:lnRef>
+          <a:fillRef idx="1">
+            <a:schemeClr val="accent5"/>
+          </a:fillRef>
+          <a:effectRef idx="0">
+            <a:schemeClr val="accent5"/>
+          </a:effectRef>
+          <a:fontRef idx="minor">
+            <a:schemeClr val="lt1"/>
+          </a:fontRef>
+        </p:style>
+        <p:txBody>
+          <a:bodyPr rtlCol="0" anchor="ctr"/>
+          <a:lstStyle/>
+          <a:p>
+            <a:pPr algn="ctr"/>
+            <a:endParaRPr lang="en-GB"/>
+          </a:p>
+        </p:txBody>
+      </p:sp>
     </p:spTree>
     <p:extLst>
       <p:ext uri="{BB962C8B-B14F-4D97-AF65-F5344CB8AC3E}">

--- a/Folien Data set.pptx
+++ b/Folien Data set.pptx
@@ -10,6 +10,7 @@
     <p:sldId id="260" r:id="rId4"/>
     <p:sldId id="258" r:id="rId5"/>
     <p:sldId id="259" r:id="rId6"/>
+    <p:sldId id="261" r:id="rId7"/>
   </p:sldIdLst>
   <p:sldSz cx="12192000" cy="6858000"/>
   <p:notesSz cx="6858000" cy="9144000"/>
@@ -4582,7 +4583,7 @@
         <p:spPr>
           <a:xfrm>
             <a:off x="5199261" y="1811186"/>
-            <a:ext cx="1790427" cy="646331"/>
+            <a:ext cx="1817677" cy="646331"/>
           </a:xfrm>
           <a:prstGeom prst="rect">
             <a:avLst/>
@@ -4602,12 +4603,12 @@
           </a:p>
           <a:p>
             <a:r>
-              <a:rPr lang="en-GB" dirty="0" err="1"/>
-              <a:t>Rnase</a:t>
+              <a:rPr lang="en-GB"/>
+              <a:t>RNase </a:t>
             </a:r>
             <a:r>
               <a:rPr lang="en-GB" dirty="0"/>
-              <a:t> = magenta</a:t>
+              <a:t>= magenta</a:t>
             </a:r>
           </a:p>
         </p:txBody>
@@ -4760,6 +4761,151 @@
       <p:bldP spid="2" grpId="0"/>
     </p:bldLst>
   </p:timing>
+</p:sld>
+</file>
+
+<file path=ppt/slides/slide6.xml><?xml version="1.0" encoding="utf-8"?>
+<p:sld xmlns:a="http://schemas.openxmlformats.org/drawingml/2006/main" xmlns:r="http://schemas.openxmlformats.org/officeDocument/2006/relationships" xmlns:p="http://schemas.openxmlformats.org/presentationml/2006/main">
+  <p:cSld>
+    <p:spTree>
+      <p:nvGrpSpPr>
+        <p:cNvPr id="1" name=""/>
+        <p:cNvGrpSpPr/>
+        <p:nvPr/>
+      </p:nvGrpSpPr>
+      <p:grpSpPr>
+        <a:xfrm>
+          <a:off x="0" y="0"/>
+          <a:ext cx="0" cy="0"/>
+          <a:chOff x="0" y="0"/>
+          <a:chExt cx="0" cy="0"/>
+        </a:xfrm>
+      </p:grpSpPr>
+      <p:sp>
+        <p:nvSpPr>
+          <p:cNvPr id="3" name="Titel 2">
+            <a:extLst>
+              <a:ext uri="{FF2B5EF4-FFF2-40B4-BE49-F238E27FC236}">
+                <a16:creationId xmlns:a16="http://schemas.microsoft.com/office/drawing/2014/main" id="{38D02719-2DEA-C50C-150F-1BD8A3BBE88B}"/>
+              </a:ext>
+            </a:extLst>
+          </p:cNvPr>
+          <p:cNvSpPr>
+            <a:spLocks noGrp="1"/>
+          </p:cNvSpPr>
+          <p:nvPr>
+            <p:ph type="title"/>
+          </p:nvPr>
+        </p:nvSpPr>
+        <p:spPr/>
+        <p:txBody>
+          <a:bodyPr/>
+          <a:lstStyle/>
+          <a:p>
+            <a:r>
+              <a:rPr lang="en-GB" dirty="0"/>
+              <a:t>Team organisation	</a:t>
+            </a:r>
+          </a:p>
+        </p:txBody>
+      </p:sp>
+      <p:sp>
+        <p:nvSpPr>
+          <p:cNvPr id="4" name="Inhaltsplatzhalter 3">
+            <a:extLst>
+              <a:ext uri="{FF2B5EF4-FFF2-40B4-BE49-F238E27FC236}">
+                <a16:creationId xmlns:a16="http://schemas.microsoft.com/office/drawing/2014/main" id="{018B9D77-CE8A-9175-04D9-99170E21732C}"/>
+              </a:ext>
+            </a:extLst>
+          </p:cNvPr>
+          <p:cNvSpPr>
+            <a:spLocks noGrp="1"/>
+          </p:cNvSpPr>
+          <p:nvPr>
+            <p:ph idx="1"/>
+          </p:nvPr>
+        </p:nvSpPr>
+        <p:spPr/>
+        <p:txBody>
+          <a:bodyPr/>
+          <a:lstStyle/>
+          <a:p>
+            <a:r>
+              <a:rPr lang="en-GB" dirty="0"/>
+              <a:t>at least one meeting per week</a:t>
+            </a:r>
+          </a:p>
+          <a:p>
+            <a:pPr lvl="1"/>
+            <a:r>
+              <a:rPr lang="en-GB" dirty="0"/>
+              <a:t>Where are we in the project</a:t>
+            </a:r>
+          </a:p>
+          <a:p>
+            <a:pPr lvl="1"/>
+            <a:r>
+              <a:rPr lang="en-GB" dirty="0"/>
+              <a:t>Presenting what team members achieved</a:t>
+            </a:r>
+          </a:p>
+          <a:p>
+            <a:pPr lvl="1"/>
+            <a:r>
+              <a:rPr lang="en-GB" dirty="0"/>
+              <a:t>Open questions</a:t>
+            </a:r>
+          </a:p>
+          <a:p>
+            <a:r>
+              <a:rPr lang="en-GB" dirty="0"/>
+              <a:t>Meeting after </a:t>
+            </a:r>
+            <a:r>
+              <a:rPr lang="en-GB" dirty="0" err="1"/>
+              <a:t>Tutorium</a:t>
+            </a:r>
+            <a:endParaRPr lang="en-GB" dirty="0"/>
+          </a:p>
+          <a:p>
+            <a:pPr lvl="1"/>
+            <a:r>
+              <a:rPr lang="en-GB" dirty="0"/>
+              <a:t>Assignment of tasks</a:t>
+            </a:r>
+          </a:p>
+          <a:p>
+            <a:pPr lvl="1"/>
+            <a:endParaRPr lang="en-GB" dirty="0"/>
+          </a:p>
+          <a:p>
+            <a:pPr lvl="1"/>
+            <a:endParaRPr lang="en-GB" dirty="0"/>
+          </a:p>
+          <a:p>
+            <a:r>
+              <a:rPr lang="en-GB" dirty="0"/>
+              <a:t>Teams of two sometimes?</a:t>
+            </a:r>
+          </a:p>
+          <a:p>
+            <a:endParaRPr lang="en-GB" dirty="0"/>
+          </a:p>
+          <a:p>
+            <a:endParaRPr lang="en-GB" dirty="0"/>
+          </a:p>
+        </p:txBody>
+      </p:sp>
+    </p:spTree>
+    <p:extLst>
+      <p:ext uri="{BB962C8B-B14F-4D97-AF65-F5344CB8AC3E}">
+        <p14:creationId xmlns:p14="http://schemas.microsoft.com/office/powerpoint/2010/main" val="3032702163"/>
+      </p:ext>
+    </p:extLst>
+  </p:cSld>
+  <p:clrMapOvr>
+    <a:masterClrMapping/>
+  </p:clrMapOvr>
 </p:sld>
 </file>
 

--- a/Folien Data set.pptx
+++ b/Folien Data set.pptx
@@ -3984,7 +3984,7 @@
           <a:p>
             <a:r>
               <a:rPr lang="en-GB" dirty="0"/>
-              <a:t>Drop protein if more than 10 zeros at least two replicates in control and/or </a:t>
+              <a:t>Drop protein if it has more than 10 zeros in at least two replicates in control and/or </a:t>
             </a:r>
             <a:r>
               <a:rPr lang="en-GB" dirty="0" err="1"/>
@@ -4885,7 +4885,7 @@
           <a:p>
             <a:r>
               <a:rPr lang="en-GB" dirty="0"/>
-              <a:t>Teams of two sometimes?</a:t>
+              <a:t>Teams of two for more difficult/complex tasks</a:t>
             </a:r>
           </a:p>
           <a:p>
